--- a/Hospital_Management_Project.pptx
+++ b/Hospital_Management_Project.pptx
@@ -116,6 +116,11 @@
       </a:defRPr>
     </a:lvl9pPr>
   </p:defaultTextStyle>
+  <p:extLst>
+    <p:ext uri="{EFAFB233-063F-42B5-8137-9DF3F51BA10A}">
+      <p15:sldGuideLst xmlns:p15="http://schemas.microsoft.com/office/powerpoint/2012/main"/>
+    </p:ext>
+  </p:extLst>
 </p:presentation>
 </file>
 
@@ -250,7 +255,7 @@
           <a:p>
             <a:fld id="{C5035C24-1018-407F-8137-930027B1ABEB}" type="datetimeFigureOut">
               <a:rPr lang="en-NZ" smtClean="0"/>
-              <a:t>21/05/2016</a:t>
+              <a:t>23/05/2016</a:t>
             </a:fld>
             <a:endParaRPr lang="en-NZ"/>
           </a:p>
@@ -420,7 +425,7 @@
           <a:p>
             <a:fld id="{C5035C24-1018-407F-8137-930027B1ABEB}" type="datetimeFigureOut">
               <a:rPr lang="en-NZ" smtClean="0"/>
-              <a:t>21/05/2016</a:t>
+              <a:t>23/05/2016</a:t>
             </a:fld>
             <a:endParaRPr lang="en-NZ"/>
           </a:p>
@@ -600,7 +605,7 @@
           <a:p>
             <a:fld id="{C5035C24-1018-407F-8137-930027B1ABEB}" type="datetimeFigureOut">
               <a:rPr lang="en-NZ" smtClean="0"/>
-              <a:t>21/05/2016</a:t>
+              <a:t>23/05/2016</a:t>
             </a:fld>
             <a:endParaRPr lang="en-NZ"/>
           </a:p>
@@ -770,7 +775,7 @@
           <a:p>
             <a:fld id="{C5035C24-1018-407F-8137-930027B1ABEB}" type="datetimeFigureOut">
               <a:rPr lang="en-NZ" smtClean="0"/>
-              <a:t>21/05/2016</a:t>
+              <a:t>23/05/2016</a:t>
             </a:fld>
             <a:endParaRPr lang="en-NZ"/>
           </a:p>
@@ -1016,7 +1021,7 @@
           <a:p>
             <a:fld id="{C5035C24-1018-407F-8137-930027B1ABEB}" type="datetimeFigureOut">
               <a:rPr lang="en-NZ" smtClean="0"/>
-              <a:t>21/05/2016</a:t>
+              <a:t>23/05/2016</a:t>
             </a:fld>
             <a:endParaRPr lang="en-NZ"/>
           </a:p>
@@ -1248,7 +1253,7 @@
           <a:p>
             <a:fld id="{C5035C24-1018-407F-8137-930027B1ABEB}" type="datetimeFigureOut">
               <a:rPr lang="en-NZ" smtClean="0"/>
-              <a:t>21/05/2016</a:t>
+              <a:t>23/05/2016</a:t>
             </a:fld>
             <a:endParaRPr lang="en-NZ"/>
           </a:p>
@@ -1615,7 +1620,7 @@
           <a:p>
             <a:fld id="{C5035C24-1018-407F-8137-930027B1ABEB}" type="datetimeFigureOut">
               <a:rPr lang="en-NZ" smtClean="0"/>
-              <a:t>21/05/2016</a:t>
+              <a:t>23/05/2016</a:t>
             </a:fld>
             <a:endParaRPr lang="en-NZ"/>
           </a:p>
@@ -1733,7 +1738,7 @@
           <a:p>
             <a:fld id="{C5035C24-1018-407F-8137-930027B1ABEB}" type="datetimeFigureOut">
               <a:rPr lang="en-NZ" smtClean="0"/>
-              <a:t>21/05/2016</a:t>
+              <a:t>23/05/2016</a:t>
             </a:fld>
             <a:endParaRPr lang="en-NZ"/>
           </a:p>
@@ -1828,7 +1833,7 @@
           <a:p>
             <a:fld id="{C5035C24-1018-407F-8137-930027B1ABEB}" type="datetimeFigureOut">
               <a:rPr lang="en-NZ" smtClean="0"/>
-              <a:t>21/05/2016</a:t>
+              <a:t>23/05/2016</a:t>
             </a:fld>
             <a:endParaRPr lang="en-NZ"/>
           </a:p>
@@ -2105,7 +2110,7 @@
           <a:p>
             <a:fld id="{C5035C24-1018-407F-8137-930027B1ABEB}" type="datetimeFigureOut">
               <a:rPr lang="en-NZ" smtClean="0"/>
-              <a:t>21/05/2016</a:t>
+              <a:t>23/05/2016</a:t>
             </a:fld>
             <a:endParaRPr lang="en-NZ"/>
           </a:p>
@@ -2358,7 +2363,7 @@
           <a:p>
             <a:fld id="{C5035C24-1018-407F-8137-930027B1ABEB}" type="datetimeFigureOut">
               <a:rPr lang="en-NZ" smtClean="0"/>
-              <a:t>21/05/2016</a:t>
+              <a:t>23/05/2016</a:t>
             </a:fld>
             <a:endParaRPr lang="en-NZ"/>
           </a:p>
@@ -2571,7 +2576,7 @@
           <a:p>
             <a:fld id="{C5035C24-1018-407F-8137-930027B1ABEB}" type="datetimeFigureOut">
               <a:rPr lang="en-NZ" smtClean="0"/>
-              <a:t>21/05/2016</a:t>
+              <a:t>23/05/2016</a:t>
             </a:fld>
             <a:endParaRPr lang="en-NZ"/>
           </a:p>
@@ -3018,6 +3023,14 @@
               <a:rPr lang="en-NZ" dirty="0" err="1" smtClean="0"/>
               <a:t>HealthFirst</a:t>
             </a:r>
+            <a:r>
+              <a:rPr lang="en-NZ" dirty="0" smtClean="0"/>
+              <a:t> </a:t>
+            </a:r>
+            <a:r>
+              <a:rPr lang="en-NZ" smtClean="0"/>
+              <a:t>- beta</a:t>
+            </a:r>
             <a:endParaRPr lang="en-NZ" dirty="0"/>
           </a:p>
         </p:txBody>
@@ -3284,13 +3297,8 @@
             <a:pPr lvl="1"/>
             <a:r>
               <a:rPr lang="en-NZ" b="1" i="1" dirty="0" smtClean="0"/>
-              <a:t>Face to face online communication between patient and doctor / </a:t>
-            </a:r>
-            <a:r>
-              <a:rPr lang="en-NZ" b="1" i="1" dirty="0" smtClean="0"/>
-              <a:t>emergency (Ambulance) Dep.</a:t>
-            </a:r>
-            <a:endParaRPr lang="en-NZ" b="1" i="1" dirty="0" smtClean="0"/>
+              <a:t>Face to face online communication between patient and doctor / emergency (Ambulance) Dep.</a:t>
+            </a:r>
           </a:p>
           <a:p>
             <a:pPr lvl="1"/>
@@ -3382,11 +3390,7 @@
           <a:p>
             <a:r>
               <a:rPr lang="en-NZ" dirty="0" smtClean="0"/>
-              <a:t>Requirements – </a:t>
-            </a:r>
-            <a:r>
-              <a:rPr lang="en-NZ" dirty="0" smtClean="0"/>
-              <a:t>Users of system</a:t>
+              <a:t>Requirements – Users of system</a:t>
             </a:r>
             <a:endParaRPr lang="en-NZ" dirty="0"/>
           </a:p>
@@ -3974,10 +3978,6 @@
               <a:rPr lang="en-NZ" dirty="0" smtClean="0"/>
               <a:t>Test driven (test first)</a:t>
             </a:r>
-            <a:r>
-              <a:rPr lang="en-NZ" dirty="0" smtClean="0"/>
-              <a:t/>
-            </a:r>
             <a:br>
               <a:rPr lang="en-NZ" dirty="0" smtClean="0"/>
             </a:br>
@@ -4844,7 +4844,6 @@
               <a:rPr lang="en-NZ" dirty="0" smtClean="0"/>
               <a:t>On-premises, courses, on-line videos</a:t>
             </a:r>
-            <a:endParaRPr lang="en-NZ" dirty="0" smtClean="0"/>
           </a:p>
           <a:p>
             <a:pPr lvl="1"/>

--- a/Hospital_Management_Project.pptx
+++ b/Hospital_Management_Project.pptx
@@ -3028,8 +3028,12 @@
               <a:t> </a:t>
             </a:r>
             <a:r>
+              <a:rPr lang="en-NZ" dirty="0" smtClean="0"/>
+              <a:t>– beta </a:t>
+            </a:r>
+            <a:r>
               <a:rPr lang="en-NZ" smtClean="0"/>
-              <a:t>- beta</a:t>
+              <a:t>- Petrus</a:t>
             </a:r>
             <a:endParaRPr lang="en-NZ" dirty="0"/>
           </a:p>

--- a/Hospital_Management_Project.pptx
+++ b/Hospital_Management_Project.pptx
@@ -118,7 +118,7 @@
   </p:defaultTextStyle>
   <p:extLst>
     <p:ext uri="{EFAFB233-063F-42B5-8137-9DF3F51BA10A}">
-      <p15:sldGuideLst xmlns:p15="http://schemas.microsoft.com/office/powerpoint/2012/main"/>
+      <p15:sldGuideLst xmlns:p15="http://schemas.microsoft.com/office/powerpoint/2012/main" xmlns=""/>
     </p:ext>
   </p:extLst>
 </p:presentation>
@@ -255,6 +255,7 @@
           <a:p>
             <a:fld id="{C5035C24-1018-407F-8137-930027B1ABEB}" type="datetimeFigureOut">
               <a:rPr lang="en-NZ" smtClean="0"/>
+              <a:pPr/>
               <a:t>23/05/2016</a:t>
             </a:fld>
             <a:endParaRPr lang="en-NZ"/>
@@ -297,6 +298,7 @@
           <a:p>
             <a:fld id="{5D91D722-20DA-4320-B16D-CBD03E38B2A8}" type="slidenum">
               <a:rPr lang="en-NZ" smtClean="0"/>
+              <a:pPr/>
               <a:t>‹#›</a:t>
             </a:fld>
             <a:endParaRPr lang="en-NZ"/>
@@ -306,7 +308,7 @@
     </p:spTree>
     <p:extLst>
       <p:ext uri="{BB962C8B-B14F-4D97-AF65-F5344CB8AC3E}">
-        <p14:creationId xmlns:p14="http://schemas.microsoft.com/office/powerpoint/2010/main" val="3828732446"/>
+        <p14:creationId xmlns:p14="http://schemas.microsoft.com/office/powerpoint/2010/main" xmlns="" val="3828732446"/>
       </p:ext>
     </p:extLst>
   </p:cSld>
@@ -425,6 +427,7 @@
           <a:p>
             <a:fld id="{C5035C24-1018-407F-8137-930027B1ABEB}" type="datetimeFigureOut">
               <a:rPr lang="en-NZ" smtClean="0"/>
+              <a:pPr/>
               <a:t>23/05/2016</a:t>
             </a:fld>
             <a:endParaRPr lang="en-NZ"/>
@@ -467,6 +470,7 @@
           <a:p>
             <a:fld id="{5D91D722-20DA-4320-B16D-CBD03E38B2A8}" type="slidenum">
               <a:rPr lang="en-NZ" smtClean="0"/>
+              <a:pPr/>
               <a:t>‹#›</a:t>
             </a:fld>
             <a:endParaRPr lang="en-NZ"/>
@@ -476,7 +480,7 @@
     </p:spTree>
     <p:extLst>
       <p:ext uri="{BB962C8B-B14F-4D97-AF65-F5344CB8AC3E}">
-        <p14:creationId xmlns:p14="http://schemas.microsoft.com/office/powerpoint/2010/main" val="4123594609"/>
+        <p14:creationId xmlns:p14="http://schemas.microsoft.com/office/powerpoint/2010/main" xmlns="" val="4123594609"/>
       </p:ext>
     </p:extLst>
   </p:cSld>
@@ -605,6 +609,7 @@
           <a:p>
             <a:fld id="{C5035C24-1018-407F-8137-930027B1ABEB}" type="datetimeFigureOut">
               <a:rPr lang="en-NZ" smtClean="0"/>
+              <a:pPr/>
               <a:t>23/05/2016</a:t>
             </a:fld>
             <a:endParaRPr lang="en-NZ"/>
@@ -647,6 +652,7 @@
           <a:p>
             <a:fld id="{5D91D722-20DA-4320-B16D-CBD03E38B2A8}" type="slidenum">
               <a:rPr lang="en-NZ" smtClean="0"/>
+              <a:pPr/>
               <a:t>‹#›</a:t>
             </a:fld>
             <a:endParaRPr lang="en-NZ"/>
@@ -656,7 +662,7 @@
     </p:spTree>
     <p:extLst>
       <p:ext uri="{BB962C8B-B14F-4D97-AF65-F5344CB8AC3E}">
-        <p14:creationId xmlns:p14="http://schemas.microsoft.com/office/powerpoint/2010/main" val="2187050863"/>
+        <p14:creationId xmlns:p14="http://schemas.microsoft.com/office/powerpoint/2010/main" xmlns="" val="2187050863"/>
       </p:ext>
     </p:extLst>
   </p:cSld>
@@ -775,6 +781,7 @@
           <a:p>
             <a:fld id="{C5035C24-1018-407F-8137-930027B1ABEB}" type="datetimeFigureOut">
               <a:rPr lang="en-NZ" smtClean="0"/>
+              <a:pPr/>
               <a:t>23/05/2016</a:t>
             </a:fld>
             <a:endParaRPr lang="en-NZ"/>
@@ -817,6 +824,7 @@
           <a:p>
             <a:fld id="{5D91D722-20DA-4320-B16D-CBD03E38B2A8}" type="slidenum">
               <a:rPr lang="en-NZ" smtClean="0"/>
+              <a:pPr/>
               <a:t>‹#›</a:t>
             </a:fld>
             <a:endParaRPr lang="en-NZ"/>
@@ -826,7 +834,7 @@
     </p:spTree>
     <p:extLst>
       <p:ext uri="{BB962C8B-B14F-4D97-AF65-F5344CB8AC3E}">
-        <p14:creationId xmlns:p14="http://schemas.microsoft.com/office/powerpoint/2010/main" val="861143719"/>
+        <p14:creationId xmlns:p14="http://schemas.microsoft.com/office/powerpoint/2010/main" xmlns="" val="861143719"/>
       </p:ext>
     </p:extLst>
   </p:cSld>
@@ -1021,6 +1029,7 @@
           <a:p>
             <a:fld id="{C5035C24-1018-407F-8137-930027B1ABEB}" type="datetimeFigureOut">
               <a:rPr lang="en-NZ" smtClean="0"/>
+              <a:pPr/>
               <a:t>23/05/2016</a:t>
             </a:fld>
             <a:endParaRPr lang="en-NZ"/>
@@ -1063,6 +1072,7 @@
           <a:p>
             <a:fld id="{5D91D722-20DA-4320-B16D-CBD03E38B2A8}" type="slidenum">
               <a:rPr lang="en-NZ" smtClean="0"/>
+              <a:pPr/>
               <a:t>‹#›</a:t>
             </a:fld>
             <a:endParaRPr lang="en-NZ"/>
@@ -1072,7 +1082,7 @@
     </p:spTree>
     <p:extLst>
       <p:ext uri="{BB962C8B-B14F-4D97-AF65-F5344CB8AC3E}">
-        <p14:creationId xmlns:p14="http://schemas.microsoft.com/office/powerpoint/2010/main" val="812567518"/>
+        <p14:creationId xmlns:p14="http://schemas.microsoft.com/office/powerpoint/2010/main" xmlns="" val="812567518"/>
       </p:ext>
     </p:extLst>
   </p:cSld>
@@ -1253,6 +1263,7 @@
           <a:p>
             <a:fld id="{C5035C24-1018-407F-8137-930027B1ABEB}" type="datetimeFigureOut">
               <a:rPr lang="en-NZ" smtClean="0"/>
+              <a:pPr/>
               <a:t>23/05/2016</a:t>
             </a:fld>
             <a:endParaRPr lang="en-NZ"/>
@@ -1295,6 +1306,7 @@
           <a:p>
             <a:fld id="{5D91D722-20DA-4320-B16D-CBD03E38B2A8}" type="slidenum">
               <a:rPr lang="en-NZ" smtClean="0"/>
+              <a:pPr/>
               <a:t>‹#›</a:t>
             </a:fld>
             <a:endParaRPr lang="en-NZ"/>
@@ -1304,7 +1316,7 @@
     </p:spTree>
     <p:extLst>
       <p:ext uri="{BB962C8B-B14F-4D97-AF65-F5344CB8AC3E}">
-        <p14:creationId xmlns:p14="http://schemas.microsoft.com/office/powerpoint/2010/main" val="715080417"/>
+        <p14:creationId xmlns:p14="http://schemas.microsoft.com/office/powerpoint/2010/main" xmlns="" val="715080417"/>
       </p:ext>
     </p:extLst>
   </p:cSld>
@@ -1620,6 +1632,7 @@
           <a:p>
             <a:fld id="{C5035C24-1018-407F-8137-930027B1ABEB}" type="datetimeFigureOut">
               <a:rPr lang="en-NZ" smtClean="0"/>
+              <a:pPr/>
               <a:t>23/05/2016</a:t>
             </a:fld>
             <a:endParaRPr lang="en-NZ"/>
@@ -1662,6 +1675,7 @@
           <a:p>
             <a:fld id="{5D91D722-20DA-4320-B16D-CBD03E38B2A8}" type="slidenum">
               <a:rPr lang="en-NZ" smtClean="0"/>
+              <a:pPr/>
               <a:t>‹#›</a:t>
             </a:fld>
             <a:endParaRPr lang="en-NZ"/>
@@ -1671,7 +1685,7 @@
     </p:spTree>
     <p:extLst>
       <p:ext uri="{BB962C8B-B14F-4D97-AF65-F5344CB8AC3E}">
-        <p14:creationId xmlns:p14="http://schemas.microsoft.com/office/powerpoint/2010/main" val="3797889927"/>
+        <p14:creationId xmlns:p14="http://schemas.microsoft.com/office/powerpoint/2010/main" xmlns="" val="3797889927"/>
       </p:ext>
     </p:extLst>
   </p:cSld>
@@ -1738,6 +1752,7 @@
           <a:p>
             <a:fld id="{C5035C24-1018-407F-8137-930027B1ABEB}" type="datetimeFigureOut">
               <a:rPr lang="en-NZ" smtClean="0"/>
+              <a:pPr/>
               <a:t>23/05/2016</a:t>
             </a:fld>
             <a:endParaRPr lang="en-NZ"/>
@@ -1780,6 +1795,7 @@
           <a:p>
             <a:fld id="{5D91D722-20DA-4320-B16D-CBD03E38B2A8}" type="slidenum">
               <a:rPr lang="en-NZ" smtClean="0"/>
+              <a:pPr/>
               <a:t>‹#›</a:t>
             </a:fld>
             <a:endParaRPr lang="en-NZ"/>
@@ -1789,7 +1805,7 @@
     </p:spTree>
     <p:extLst>
       <p:ext uri="{BB962C8B-B14F-4D97-AF65-F5344CB8AC3E}">
-        <p14:creationId xmlns:p14="http://schemas.microsoft.com/office/powerpoint/2010/main" val="1815329970"/>
+        <p14:creationId xmlns:p14="http://schemas.microsoft.com/office/powerpoint/2010/main" xmlns="" val="1815329970"/>
       </p:ext>
     </p:extLst>
   </p:cSld>
@@ -1833,6 +1849,7 @@
           <a:p>
             <a:fld id="{C5035C24-1018-407F-8137-930027B1ABEB}" type="datetimeFigureOut">
               <a:rPr lang="en-NZ" smtClean="0"/>
+              <a:pPr/>
               <a:t>23/05/2016</a:t>
             </a:fld>
             <a:endParaRPr lang="en-NZ"/>
@@ -1875,6 +1892,7 @@
           <a:p>
             <a:fld id="{5D91D722-20DA-4320-B16D-CBD03E38B2A8}" type="slidenum">
               <a:rPr lang="en-NZ" smtClean="0"/>
+              <a:pPr/>
               <a:t>‹#›</a:t>
             </a:fld>
             <a:endParaRPr lang="en-NZ"/>
@@ -1884,7 +1902,7 @@
     </p:spTree>
     <p:extLst>
       <p:ext uri="{BB962C8B-B14F-4D97-AF65-F5344CB8AC3E}">
-        <p14:creationId xmlns:p14="http://schemas.microsoft.com/office/powerpoint/2010/main" val="94300845"/>
+        <p14:creationId xmlns:p14="http://schemas.microsoft.com/office/powerpoint/2010/main" xmlns="" val="94300845"/>
       </p:ext>
     </p:extLst>
   </p:cSld>
@@ -2110,6 +2128,7 @@
           <a:p>
             <a:fld id="{C5035C24-1018-407F-8137-930027B1ABEB}" type="datetimeFigureOut">
               <a:rPr lang="en-NZ" smtClean="0"/>
+              <a:pPr/>
               <a:t>23/05/2016</a:t>
             </a:fld>
             <a:endParaRPr lang="en-NZ"/>
@@ -2152,6 +2171,7 @@
           <a:p>
             <a:fld id="{5D91D722-20DA-4320-B16D-CBD03E38B2A8}" type="slidenum">
               <a:rPr lang="en-NZ" smtClean="0"/>
+              <a:pPr/>
               <a:t>‹#›</a:t>
             </a:fld>
             <a:endParaRPr lang="en-NZ"/>
@@ -2161,7 +2181,7 @@
     </p:spTree>
     <p:extLst>
       <p:ext uri="{BB962C8B-B14F-4D97-AF65-F5344CB8AC3E}">
-        <p14:creationId xmlns:p14="http://schemas.microsoft.com/office/powerpoint/2010/main" val="2190643511"/>
+        <p14:creationId xmlns:p14="http://schemas.microsoft.com/office/powerpoint/2010/main" xmlns="" val="2190643511"/>
       </p:ext>
     </p:extLst>
   </p:cSld>
@@ -2363,6 +2383,7 @@
           <a:p>
             <a:fld id="{C5035C24-1018-407F-8137-930027B1ABEB}" type="datetimeFigureOut">
               <a:rPr lang="en-NZ" smtClean="0"/>
+              <a:pPr/>
               <a:t>23/05/2016</a:t>
             </a:fld>
             <a:endParaRPr lang="en-NZ"/>
@@ -2405,6 +2426,7 @@
           <a:p>
             <a:fld id="{5D91D722-20DA-4320-B16D-CBD03E38B2A8}" type="slidenum">
               <a:rPr lang="en-NZ" smtClean="0"/>
+              <a:pPr/>
               <a:t>‹#›</a:t>
             </a:fld>
             <a:endParaRPr lang="en-NZ"/>
@@ -2414,7 +2436,7 @@
     </p:spTree>
     <p:extLst>
       <p:ext uri="{BB962C8B-B14F-4D97-AF65-F5344CB8AC3E}">
-        <p14:creationId xmlns:p14="http://schemas.microsoft.com/office/powerpoint/2010/main" val="4182957959"/>
+        <p14:creationId xmlns:p14="http://schemas.microsoft.com/office/powerpoint/2010/main" xmlns="" val="4182957959"/>
       </p:ext>
     </p:extLst>
   </p:cSld>
@@ -2576,6 +2598,7 @@
           <a:p>
             <a:fld id="{C5035C24-1018-407F-8137-930027B1ABEB}" type="datetimeFigureOut">
               <a:rPr lang="en-NZ" smtClean="0"/>
+              <a:pPr/>
               <a:t>23/05/2016</a:t>
             </a:fld>
             <a:endParaRPr lang="en-NZ"/>
@@ -2654,6 +2677,7 @@
           <a:p>
             <a:fld id="{5D91D722-20DA-4320-B16D-CBD03E38B2A8}" type="slidenum">
               <a:rPr lang="en-NZ" smtClean="0"/>
+              <a:pPr/>
               <a:t>‹#›</a:t>
             </a:fld>
             <a:endParaRPr lang="en-NZ"/>
@@ -2663,7 +2687,7 @@
     </p:spTree>
     <p:extLst>
       <p:ext uri="{BB962C8B-B14F-4D97-AF65-F5344CB8AC3E}">
-        <p14:creationId xmlns:p14="http://schemas.microsoft.com/office/powerpoint/2010/main" val="4063100338"/>
+        <p14:creationId xmlns:p14="http://schemas.microsoft.com/office/powerpoint/2010/main" xmlns="" val="4063100338"/>
       </p:ext>
     </p:extLst>
   </p:cSld>
@@ -3028,8 +3052,18 @@
               <a:t> </a:t>
             </a:r>
             <a:r>
+              <a:rPr lang="en-NZ" dirty="0" smtClean="0"/>
+              <a:t>– beta </a:t>
+            </a:r>
+          </a:p>
+          <a:p>
+            <a:r>
+              <a:rPr lang="en-NZ" dirty="0" smtClean="0"/>
+              <a:t>Harry </a:t>
+            </a:r>
+            <a:r>
               <a:rPr lang="en-NZ" smtClean="0"/>
-              <a:t>- beta</a:t>
+              <a:t>&amp; peter</a:t>
             </a:r>
             <a:endParaRPr lang="en-NZ" dirty="0"/>
           </a:p>
@@ -3038,7 +3072,7 @@
     </p:spTree>
     <p:extLst>
       <p:ext uri="{BB962C8B-B14F-4D97-AF65-F5344CB8AC3E}">
-        <p14:creationId xmlns:p14="http://schemas.microsoft.com/office/powerpoint/2010/main" val="1696281580"/>
+        <p14:creationId xmlns:p14="http://schemas.microsoft.com/office/powerpoint/2010/main" xmlns="" val="1696281580"/>
       </p:ext>
     </p:extLst>
   </p:cSld>
@@ -3130,7 +3164,7 @@
     </p:spTree>
     <p:extLst>
       <p:ext uri="{BB962C8B-B14F-4D97-AF65-F5344CB8AC3E}">
-        <p14:creationId xmlns:p14="http://schemas.microsoft.com/office/powerpoint/2010/main" val="3005006014"/>
+        <p14:creationId xmlns:p14="http://schemas.microsoft.com/office/powerpoint/2010/main" xmlns="" val="3005006014"/>
       </p:ext>
     </p:extLst>
   </p:cSld>
@@ -3220,7 +3254,7 @@
     </p:spTree>
     <p:extLst>
       <p:ext uri="{BB962C8B-B14F-4D97-AF65-F5344CB8AC3E}">
-        <p14:creationId xmlns:p14="http://schemas.microsoft.com/office/powerpoint/2010/main" val="1104241103"/>
+        <p14:creationId xmlns:p14="http://schemas.microsoft.com/office/powerpoint/2010/main" xmlns="" val="1104241103"/>
       </p:ext>
     </p:extLst>
   </p:cSld>
@@ -3341,7 +3375,7 @@
     </p:spTree>
     <p:extLst>
       <p:ext uri="{BB962C8B-B14F-4D97-AF65-F5344CB8AC3E}">
-        <p14:creationId xmlns:p14="http://schemas.microsoft.com/office/powerpoint/2010/main" val="1843631224"/>
+        <p14:creationId xmlns:p14="http://schemas.microsoft.com/office/powerpoint/2010/main" xmlns="" val="1843631224"/>
       </p:ext>
     </p:extLst>
   </p:cSld>
@@ -3754,7 +3788,7 @@
     </p:spTree>
     <p:extLst>
       <p:ext uri="{BB962C8B-B14F-4D97-AF65-F5344CB8AC3E}">
-        <p14:creationId xmlns:p14="http://schemas.microsoft.com/office/powerpoint/2010/main" val="4086316117"/>
+        <p14:creationId xmlns:p14="http://schemas.microsoft.com/office/powerpoint/2010/main" xmlns="" val="4086316117"/>
       </p:ext>
     </p:extLst>
   </p:cSld>
@@ -3866,7 +3900,7 @@
     </p:spTree>
     <p:extLst>
       <p:ext uri="{BB962C8B-B14F-4D97-AF65-F5344CB8AC3E}">
-        <p14:creationId xmlns:p14="http://schemas.microsoft.com/office/powerpoint/2010/main" val="4107760745"/>
+        <p14:creationId xmlns:p14="http://schemas.microsoft.com/office/powerpoint/2010/main" xmlns="" val="4107760745"/>
       </p:ext>
     </p:extLst>
   </p:cSld>
@@ -3988,7 +4022,7 @@
     </p:spTree>
     <p:extLst>
       <p:ext uri="{BB962C8B-B14F-4D97-AF65-F5344CB8AC3E}">
-        <p14:creationId xmlns:p14="http://schemas.microsoft.com/office/powerpoint/2010/main" val="1393807153"/>
+        <p14:creationId xmlns:p14="http://schemas.microsoft.com/office/powerpoint/2010/main" xmlns="" val="1393807153"/>
       </p:ext>
     </p:extLst>
   </p:cSld>
@@ -4090,7 +4124,7 @@
     </p:spTree>
     <p:extLst>
       <p:ext uri="{BB962C8B-B14F-4D97-AF65-F5344CB8AC3E}">
-        <p14:creationId xmlns:p14="http://schemas.microsoft.com/office/powerpoint/2010/main" val="836623550"/>
+        <p14:creationId xmlns:p14="http://schemas.microsoft.com/office/powerpoint/2010/main" xmlns="" val="836623550"/>
       </p:ext>
     </p:extLst>
   </p:cSld>
@@ -4481,7 +4515,7 @@
     </p:spTree>
     <p:extLst>
       <p:ext uri="{BB962C8B-B14F-4D97-AF65-F5344CB8AC3E}">
-        <p14:creationId xmlns:p14="http://schemas.microsoft.com/office/powerpoint/2010/main" val="1296104262"/>
+        <p14:creationId xmlns:p14="http://schemas.microsoft.com/office/powerpoint/2010/main" xmlns="" val="1296104262"/>
       </p:ext>
     </p:extLst>
   </p:cSld>
@@ -4574,7 +4608,7 @@
     </p:spTree>
     <p:extLst>
       <p:ext uri="{BB962C8B-B14F-4D97-AF65-F5344CB8AC3E}">
-        <p14:creationId xmlns:p14="http://schemas.microsoft.com/office/powerpoint/2010/main" val="1091408875"/>
+        <p14:creationId xmlns:p14="http://schemas.microsoft.com/office/powerpoint/2010/main" xmlns="" val="1091408875"/>
       </p:ext>
     </p:extLst>
   </p:cSld>
@@ -4670,7 +4704,7 @@
     </p:spTree>
     <p:extLst>
       <p:ext uri="{BB962C8B-B14F-4D97-AF65-F5344CB8AC3E}">
-        <p14:creationId xmlns:p14="http://schemas.microsoft.com/office/powerpoint/2010/main" val="3842053977"/>
+        <p14:creationId xmlns:p14="http://schemas.microsoft.com/office/powerpoint/2010/main" xmlns="" val="3842053977"/>
       </p:ext>
     </p:extLst>
   </p:cSld>
@@ -4746,7 +4780,7 @@
     </p:spTree>
     <p:extLst>
       <p:ext uri="{BB962C8B-B14F-4D97-AF65-F5344CB8AC3E}">
-        <p14:creationId xmlns:p14="http://schemas.microsoft.com/office/powerpoint/2010/main" val="4000173088"/>
+        <p14:creationId xmlns:p14="http://schemas.microsoft.com/office/powerpoint/2010/main" xmlns="" val="4000173088"/>
       </p:ext>
     </p:extLst>
   </p:cSld>
@@ -4874,7 +4908,7 @@
     </p:spTree>
     <p:extLst>
       <p:ext uri="{BB962C8B-B14F-4D97-AF65-F5344CB8AC3E}">
-        <p14:creationId xmlns:p14="http://schemas.microsoft.com/office/powerpoint/2010/main" val="2194050000"/>
+        <p14:creationId xmlns:p14="http://schemas.microsoft.com/office/powerpoint/2010/main" xmlns="" val="2194050000"/>
       </p:ext>
     </p:extLst>
   </p:cSld>
@@ -4927,7 +4961,7 @@
     </a:clrScheme>
     <a:fontScheme name="Office">
       <a:majorFont>
-        <a:latin typeface="Calibri Light" panose="020F0302020204030204"/>
+        <a:latin typeface="Calibri Light"/>
         <a:ea typeface=""/>
         <a:cs typeface=""/>
         <a:font script="Jpan" typeface="ＭＳ Ｐゴシック"/>
@@ -4962,7 +4996,7 @@
         <a:font script="Geor" typeface="Sylfaen"/>
       </a:majorFont>
       <a:minorFont>
-        <a:latin typeface="Calibri" panose="020F0502020204030204"/>
+        <a:latin typeface="Calibri"/>
         <a:ea typeface=""/>
         <a:cs typeface=""/>
         <a:font script="Jpan" typeface="ＭＳ Ｐゴシック"/>
@@ -5139,7 +5173,7 @@
   <a:extraClrSchemeLst/>
   <a:extLst>
     <a:ext uri="{05A4C25C-085E-4340-85A3-A5531E510DB2}">
-      <thm15:themeFamily xmlns:thm15="http://schemas.microsoft.com/office/thememl/2012/main" name="Office Theme" id="{62F939B6-93AF-4DB8-9C6B-D6C7DFDC589F}" vid="{4A3C46E8-61CC-4603-A589-7422A47A8E4A}"/>
+      <thm15:themeFamily xmlns:thm15="http://schemas.microsoft.com/office/thememl/2012/main" xmlns="" name="Office Theme" id="{62F939B6-93AF-4DB8-9C6B-D6C7DFDC589F}" vid="{4A3C46E8-61CC-4603-A589-7422A47A8E4A}"/>
     </a:ext>
   </a:extLst>
 </a:theme>

--- a/Hospital_Management_Project.pptx
+++ b/Hospital_Management_Project.pptx
@@ -18,6 +18,7 @@
     <p:sldId id="266" r:id="rId12"/>
     <p:sldId id="268" r:id="rId13"/>
     <p:sldId id="267" r:id="rId14"/>
+    <p:sldId id="269" r:id="rId15"/>
   </p:sldIdLst>
   <p:sldSz cx="12192000" cy="6858000"/>
   <p:notesSz cx="6858000" cy="9144000"/>
@@ -118,7 +119,18 @@
   </p:defaultTextStyle>
   <p:extLst>
     <p:ext uri="{EFAFB233-063F-42B5-8137-9DF3F51BA10A}">
-      <p15:sldGuideLst xmlns="" xmlns:p15="http://schemas.microsoft.com/office/powerpoint/2012/main"/>
+      <p15:sldGuideLst xmlns:p15="http://schemas.microsoft.com/office/powerpoint/2012/main">
+        <p15:guide id="1" orient="horz" pos="2160">
+          <p15:clr>
+            <a:srgbClr val="A4A3A4"/>
+          </p15:clr>
+        </p15:guide>
+        <p15:guide id="2" pos="3840">
+          <p15:clr>
+            <a:srgbClr val="A4A3A4"/>
+          </p15:clr>
+        </p15:guide>
+      </p15:sldGuideLst>
     </p:ext>
   </p:extLst>
 </p:presentation>
@@ -256,7 +268,7 @@
             <a:fld id="{C5035C24-1018-407F-8137-930027B1ABEB}" type="datetimeFigureOut">
               <a:rPr lang="en-NZ" smtClean="0"/>
               <a:pPr/>
-              <a:t>23/05/2016</a:t>
+              <a:t>28/05/2016</a:t>
             </a:fld>
             <a:endParaRPr lang="en-NZ"/>
           </a:p>
@@ -308,7 +320,7 @@
     </p:spTree>
     <p:extLst>
       <p:ext uri="{BB962C8B-B14F-4D97-AF65-F5344CB8AC3E}">
-        <p14:creationId xmlns="" xmlns:p14="http://schemas.microsoft.com/office/powerpoint/2010/main" val="3828732446"/>
+        <p14:creationId xmlns:p14="http://schemas.microsoft.com/office/powerpoint/2010/main" val="3828732446"/>
       </p:ext>
     </p:extLst>
   </p:cSld>
@@ -428,7 +440,7 @@
             <a:fld id="{C5035C24-1018-407F-8137-930027B1ABEB}" type="datetimeFigureOut">
               <a:rPr lang="en-NZ" smtClean="0"/>
               <a:pPr/>
-              <a:t>23/05/2016</a:t>
+              <a:t>28/05/2016</a:t>
             </a:fld>
             <a:endParaRPr lang="en-NZ"/>
           </a:p>
@@ -480,7 +492,7 @@
     </p:spTree>
     <p:extLst>
       <p:ext uri="{BB962C8B-B14F-4D97-AF65-F5344CB8AC3E}">
-        <p14:creationId xmlns="" xmlns:p14="http://schemas.microsoft.com/office/powerpoint/2010/main" val="4123594609"/>
+        <p14:creationId xmlns:p14="http://schemas.microsoft.com/office/powerpoint/2010/main" val="4123594609"/>
       </p:ext>
     </p:extLst>
   </p:cSld>
@@ -610,7 +622,7 @@
             <a:fld id="{C5035C24-1018-407F-8137-930027B1ABEB}" type="datetimeFigureOut">
               <a:rPr lang="en-NZ" smtClean="0"/>
               <a:pPr/>
-              <a:t>23/05/2016</a:t>
+              <a:t>28/05/2016</a:t>
             </a:fld>
             <a:endParaRPr lang="en-NZ"/>
           </a:p>
@@ -662,7 +674,7 @@
     </p:spTree>
     <p:extLst>
       <p:ext uri="{BB962C8B-B14F-4D97-AF65-F5344CB8AC3E}">
-        <p14:creationId xmlns="" xmlns:p14="http://schemas.microsoft.com/office/powerpoint/2010/main" val="2187050863"/>
+        <p14:creationId xmlns:p14="http://schemas.microsoft.com/office/powerpoint/2010/main" val="2187050863"/>
       </p:ext>
     </p:extLst>
   </p:cSld>
@@ -782,7 +794,7 @@
             <a:fld id="{C5035C24-1018-407F-8137-930027B1ABEB}" type="datetimeFigureOut">
               <a:rPr lang="en-NZ" smtClean="0"/>
               <a:pPr/>
-              <a:t>23/05/2016</a:t>
+              <a:t>28/05/2016</a:t>
             </a:fld>
             <a:endParaRPr lang="en-NZ"/>
           </a:p>
@@ -834,7 +846,7 @@
     </p:spTree>
     <p:extLst>
       <p:ext uri="{BB962C8B-B14F-4D97-AF65-F5344CB8AC3E}">
-        <p14:creationId xmlns="" xmlns:p14="http://schemas.microsoft.com/office/powerpoint/2010/main" val="861143719"/>
+        <p14:creationId xmlns:p14="http://schemas.microsoft.com/office/powerpoint/2010/main" val="861143719"/>
       </p:ext>
     </p:extLst>
   </p:cSld>
@@ -1030,7 +1042,7 @@
             <a:fld id="{C5035C24-1018-407F-8137-930027B1ABEB}" type="datetimeFigureOut">
               <a:rPr lang="en-NZ" smtClean="0"/>
               <a:pPr/>
-              <a:t>23/05/2016</a:t>
+              <a:t>28/05/2016</a:t>
             </a:fld>
             <a:endParaRPr lang="en-NZ"/>
           </a:p>
@@ -1082,7 +1094,7 @@
     </p:spTree>
     <p:extLst>
       <p:ext uri="{BB962C8B-B14F-4D97-AF65-F5344CB8AC3E}">
-        <p14:creationId xmlns="" xmlns:p14="http://schemas.microsoft.com/office/powerpoint/2010/main" val="812567518"/>
+        <p14:creationId xmlns:p14="http://schemas.microsoft.com/office/powerpoint/2010/main" val="812567518"/>
       </p:ext>
     </p:extLst>
   </p:cSld>
@@ -1264,7 +1276,7 @@
             <a:fld id="{C5035C24-1018-407F-8137-930027B1ABEB}" type="datetimeFigureOut">
               <a:rPr lang="en-NZ" smtClean="0"/>
               <a:pPr/>
-              <a:t>23/05/2016</a:t>
+              <a:t>28/05/2016</a:t>
             </a:fld>
             <a:endParaRPr lang="en-NZ"/>
           </a:p>
@@ -1316,7 +1328,7 @@
     </p:spTree>
     <p:extLst>
       <p:ext uri="{BB962C8B-B14F-4D97-AF65-F5344CB8AC3E}">
-        <p14:creationId xmlns="" xmlns:p14="http://schemas.microsoft.com/office/powerpoint/2010/main" val="715080417"/>
+        <p14:creationId xmlns:p14="http://schemas.microsoft.com/office/powerpoint/2010/main" val="715080417"/>
       </p:ext>
     </p:extLst>
   </p:cSld>
@@ -1633,7 +1645,7 @@
             <a:fld id="{C5035C24-1018-407F-8137-930027B1ABEB}" type="datetimeFigureOut">
               <a:rPr lang="en-NZ" smtClean="0"/>
               <a:pPr/>
-              <a:t>23/05/2016</a:t>
+              <a:t>28/05/2016</a:t>
             </a:fld>
             <a:endParaRPr lang="en-NZ"/>
           </a:p>
@@ -1685,7 +1697,7 @@
     </p:spTree>
     <p:extLst>
       <p:ext uri="{BB962C8B-B14F-4D97-AF65-F5344CB8AC3E}">
-        <p14:creationId xmlns="" xmlns:p14="http://schemas.microsoft.com/office/powerpoint/2010/main" val="3797889927"/>
+        <p14:creationId xmlns:p14="http://schemas.microsoft.com/office/powerpoint/2010/main" val="3797889927"/>
       </p:ext>
     </p:extLst>
   </p:cSld>
@@ -1753,7 +1765,7 @@
             <a:fld id="{C5035C24-1018-407F-8137-930027B1ABEB}" type="datetimeFigureOut">
               <a:rPr lang="en-NZ" smtClean="0"/>
               <a:pPr/>
-              <a:t>23/05/2016</a:t>
+              <a:t>28/05/2016</a:t>
             </a:fld>
             <a:endParaRPr lang="en-NZ"/>
           </a:p>
@@ -1805,7 +1817,7 @@
     </p:spTree>
     <p:extLst>
       <p:ext uri="{BB962C8B-B14F-4D97-AF65-F5344CB8AC3E}">
-        <p14:creationId xmlns="" xmlns:p14="http://schemas.microsoft.com/office/powerpoint/2010/main" val="1815329970"/>
+        <p14:creationId xmlns:p14="http://schemas.microsoft.com/office/powerpoint/2010/main" val="1815329970"/>
       </p:ext>
     </p:extLst>
   </p:cSld>
@@ -1850,7 +1862,7 @@
             <a:fld id="{C5035C24-1018-407F-8137-930027B1ABEB}" type="datetimeFigureOut">
               <a:rPr lang="en-NZ" smtClean="0"/>
               <a:pPr/>
-              <a:t>23/05/2016</a:t>
+              <a:t>28/05/2016</a:t>
             </a:fld>
             <a:endParaRPr lang="en-NZ"/>
           </a:p>
@@ -1902,7 +1914,7 @@
     </p:spTree>
     <p:extLst>
       <p:ext uri="{BB962C8B-B14F-4D97-AF65-F5344CB8AC3E}">
-        <p14:creationId xmlns="" xmlns:p14="http://schemas.microsoft.com/office/powerpoint/2010/main" val="94300845"/>
+        <p14:creationId xmlns:p14="http://schemas.microsoft.com/office/powerpoint/2010/main" val="94300845"/>
       </p:ext>
     </p:extLst>
   </p:cSld>
@@ -2129,7 +2141,7 @@
             <a:fld id="{C5035C24-1018-407F-8137-930027B1ABEB}" type="datetimeFigureOut">
               <a:rPr lang="en-NZ" smtClean="0"/>
               <a:pPr/>
-              <a:t>23/05/2016</a:t>
+              <a:t>28/05/2016</a:t>
             </a:fld>
             <a:endParaRPr lang="en-NZ"/>
           </a:p>
@@ -2181,7 +2193,7 @@
     </p:spTree>
     <p:extLst>
       <p:ext uri="{BB962C8B-B14F-4D97-AF65-F5344CB8AC3E}">
-        <p14:creationId xmlns="" xmlns:p14="http://schemas.microsoft.com/office/powerpoint/2010/main" val="2190643511"/>
+        <p14:creationId xmlns:p14="http://schemas.microsoft.com/office/powerpoint/2010/main" val="2190643511"/>
       </p:ext>
     </p:extLst>
   </p:cSld>
@@ -2384,7 +2396,7 @@
             <a:fld id="{C5035C24-1018-407F-8137-930027B1ABEB}" type="datetimeFigureOut">
               <a:rPr lang="en-NZ" smtClean="0"/>
               <a:pPr/>
-              <a:t>23/05/2016</a:t>
+              <a:t>28/05/2016</a:t>
             </a:fld>
             <a:endParaRPr lang="en-NZ"/>
           </a:p>
@@ -2436,7 +2448,7 @@
     </p:spTree>
     <p:extLst>
       <p:ext uri="{BB962C8B-B14F-4D97-AF65-F5344CB8AC3E}">
-        <p14:creationId xmlns="" xmlns:p14="http://schemas.microsoft.com/office/powerpoint/2010/main" val="4182957959"/>
+        <p14:creationId xmlns:p14="http://schemas.microsoft.com/office/powerpoint/2010/main" val="4182957959"/>
       </p:ext>
     </p:extLst>
   </p:cSld>
@@ -2599,7 +2611,7 @@
             <a:fld id="{C5035C24-1018-407F-8137-930027B1ABEB}" type="datetimeFigureOut">
               <a:rPr lang="en-NZ" smtClean="0"/>
               <a:pPr/>
-              <a:t>23/05/2016</a:t>
+              <a:t>28/05/2016</a:t>
             </a:fld>
             <a:endParaRPr lang="en-NZ"/>
           </a:p>
@@ -2687,7 +2699,7 @@
     </p:spTree>
     <p:extLst>
       <p:ext uri="{BB962C8B-B14F-4D97-AF65-F5344CB8AC3E}">
-        <p14:creationId xmlns="" xmlns:p14="http://schemas.microsoft.com/office/powerpoint/2010/main" val="4063100338"/>
+        <p14:creationId xmlns:p14="http://schemas.microsoft.com/office/powerpoint/2010/main" val="4063100338"/>
       </p:ext>
     </p:extLst>
   </p:cSld>
@@ -3062,7 +3074,7 @@
     </p:spTree>
     <p:extLst>
       <p:ext uri="{BB962C8B-B14F-4D97-AF65-F5344CB8AC3E}">
-        <p14:creationId xmlns="" xmlns:p14="http://schemas.microsoft.com/office/powerpoint/2010/main" val="1696281580"/>
+        <p14:creationId xmlns:p14="http://schemas.microsoft.com/office/powerpoint/2010/main" val="1696281580"/>
       </p:ext>
     </p:extLst>
   </p:cSld>
@@ -3154,7 +3166,7 @@
     </p:spTree>
     <p:extLst>
       <p:ext uri="{BB962C8B-B14F-4D97-AF65-F5344CB8AC3E}">
-        <p14:creationId xmlns="" xmlns:p14="http://schemas.microsoft.com/office/powerpoint/2010/main" val="3005006014"/>
+        <p14:creationId xmlns:p14="http://schemas.microsoft.com/office/powerpoint/2010/main" val="3005006014"/>
       </p:ext>
     </p:extLst>
   </p:cSld>
@@ -3244,7 +3256,7 @@
     </p:spTree>
     <p:extLst>
       <p:ext uri="{BB962C8B-B14F-4D97-AF65-F5344CB8AC3E}">
-        <p14:creationId xmlns="" xmlns:p14="http://schemas.microsoft.com/office/powerpoint/2010/main" val="1104241103"/>
+        <p14:creationId xmlns:p14="http://schemas.microsoft.com/office/powerpoint/2010/main" val="1104241103"/>
       </p:ext>
     </p:extLst>
   </p:cSld>
@@ -3309,40 +3321,47 @@
         </p:nvSpPr>
         <p:spPr/>
         <p:txBody>
-          <a:bodyPr/>
-          <a:lstStyle/>
-          <a:p>
-            <a:r>
-              <a:rPr lang="en-NZ" dirty="0" smtClean="0"/>
-              <a:t>Our aim with this system is to create a central management system for patients and doctors, to provide</a:t>
-            </a:r>
+          <a:bodyPr>
+            <a:normAutofit/>
+          </a:bodyPr>
+          <a:lstStyle/>
+          <a:p>
+            <a:r>
+              <a:rPr lang="en-NZ" dirty="0" smtClean="0"/>
+              <a:t>Our aim with this system is to create a central management system for patients and doctors, to </a:t>
+            </a:r>
+            <a:r>
+              <a:rPr lang="en-NZ" dirty="0" smtClean="0"/>
+              <a:t>provide</a:t>
+            </a:r>
+          </a:p>
+          <a:p>
+            <a:pPr marL="0" indent="0">
+              <a:buNone/>
+            </a:pPr>
+            <a:r>
+              <a:rPr lang="en-NZ" sz="2400" dirty="0" smtClean="0"/>
+              <a:t>Phase 1</a:t>
+            </a:r>
+            <a:endParaRPr lang="en-NZ" sz="2400" dirty="0" smtClean="0"/>
           </a:p>
           <a:p>
             <a:pPr lvl="1"/>
             <a:r>
-              <a:rPr lang="en-NZ" b="1" i="1" dirty="0" smtClean="0"/>
-              <a:t>Face to face online communication between patient and doctor / emergency (Ambulance) Dep.</a:t>
-            </a:r>
+              <a:rPr lang="en-NZ" dirty="0" smtClean="0"/>
+              <a:t>Patient management system</a:t>
+            </a:r>
+            <a:endParaRPr lang="en-NZ" dirty="0" smtClean="0"/>
           </a:p>
           <a:p>
             <a:pPr lvl="1"/>
             <a:r>
               <a:rPr lang="en-NZ" dirty="0" smtClean="0"/>
-              <a:t>Patient history management for practitioners</a:t>
-            </a:r>
-          </a:p>
-          <a:p>
-            <a:pPr lvl="1"/>
-            <a:r>
-              <a:rPr lang="en-NZ" dirty="0" smtClean="0"/>
-              <a:t>Patient portal mobile app experience</a:t>
-            </a:r>
-          </a:p>
-          <a:p>
-            <a:pPr lvl="1"/>
-            <a:r>
-              <a:rPr lang="en-NZ" dirty="0" smtClean="0"/>
-              <a:t>Secure billing system – (</a:t>
+              <a:t>Secure </a:t>
+            </a:r>
+            <a:r>
+              <a:rPr lang="en-NZ" dirty="0" smtClean="0"/>
+              <a:t>billing system – (</a:t>
             </a:r>
             <a:r>
               <a:rPr lang="en-NZ" dirty="0" err="1" smtClean="0"/>
@@ -3357,15 +3376,54 @@
             <a:pPr lvl="1"/>
             <a:r>
               <a:rPr lang="en-NZ" dirty="0" smtClean="0"/>
-              <a:t>Inventory Control &amp; Medicine expirations</a:t>
-            </a:r>
+              <a:t>Inventory Control &amp; Medicine </a:t>
+            </a:r>
+            <a:r>
+              <a:rPr lang="en-NZ" dirty="0" smtClean="0"/>
+              <a:t>expirations</a:t>
+            </a:r>
+          </a:p>
+          <a:p>
+            <a:pPr marL="0" indent="0">
+              <a:buNone/>
+            </a:pPr>
+            <a:r>
+              <a:rPr lang="en-NZ" sz="2400" dirty="0" smtClean="0"/>
+              <a:t>Phase 2</a:t>
+            </a:r>
+          </a:p>
+          <a:p>
+            <a:pPr lvl="1"/>
+            <a:r>
+              <a:rPr lang="en-NZ" b="1" i="1" dirty="0"/>
+              <a:t>Face to face online communication between patient and doctor / emergency (Ambulance) Dep</a:t>
+            </a:r>
+            <a:r>
+              <a:rPr lang="en-NZ" b="1" i="1" dirty="0" smtClean="0"/>
+              <a:t>.</a:t>
+            </a:r>
+          </a:p>
+          <a:p>
+            <a:pPr lvl="1"/>
+            <a:r>
+              <a:rPr lang="en-NZ" dirty="0"/>
+              <a:t>Patient portal mobile app experience</a:t>
+            </a:r>
+          </a:p>
+          <a:p>
+            <a:pPr lvl="1"/>
+            <a:endParaRPr lang="en-NZ" b="1" i="1" dirty="0"/>
+          </a:p>
+          <a:p>
+            <a:pPr lvl="1"/>
+            <a:endParaRPr lang="en-NZ" dirty="0" smtClean="0"/>
           </a:p>
         </p:txBody>
       </p:sp>
     </p:spTree>
     <p:extLst>
       <p:ext uri="{BB962C8B-B14F-4D97-AF65-F5344CB8AC3E}">
-        <p14:creationId xmlns="" xmlns:p14="http://schemas.microsoft.com/office/powerpoint/2010/main" val="1843631224"/>
+        <p14:creationId xmlns:p14="http://schemas.microsoft.com/office/powerpoint/2010/main" val="1843631224"/>
       </p:ext>
     </p:extLst>
   </p:cSld>
@@ -3470,36 +3528,53 @@
             <a:pPr lvl="2"/>
             <a:r>
               <a:rPr lang="en-NZ" dirty="0" smtClean="0"/>
-              <a:t>Portal on mobile or any device</a:t>
+              <a:t>Patient </a:t>
+            </a:r>
+            <a:r>
+              <a:rPr lang="en-NZ" dirty="0" smtClean="0"/>
+              <a:t>/ Nurse communication</a:t>
             </a:r>
           </a:p>
           <a:p>
             <a:pPr lvl="2"/>
             <a:r>
               <a:rPr lang="en-NZ" dirty="0" smtClean="0"/>
-              <a:t>Patient / Nurse communication</a:t>
+              <a:t>Appointments</a:t>
             </a:r>
           </a:p>
           <a:p>
             <a:pPr lvl="2"/>
             <a:r>
               <a:rPr lang="en-NZ" dirty="0" smtClean="0"/>
-              <a:t>Appointments</a:t>
+              <a:t>Payments</a:t>
+            </a:r>
+            <a:r>
+              <a:rPr lang="en-NZ" dirty="0" smtClean="0"/>
+              <a:t>, insurance</a:t>
             </a:r>
           </a:p>
           <a:p>
             <a:pPr lvl="2"/>
             <a:r>
-              <a:rPr lang="en-NZ" dirty="0" smtClean="0"/>
-              <a:t>Payments, insurance</a:t>
+              <a:rPr lang="en-NZ" b="1" i="1" dirty="0"/>
+              <a:t>Portal on mobile or any device (phase 2)</a:t>
             </a:r>
           </a:p>
           <a:p>
             <a:pPr lvl="2"/>
             <a:r>
               <a:rPr lang="en-NZ" b="1" i="1" dirty="0" smtClean="0"/>
-              <a:t>Skype-type face to face communication</a:t>
-            </a:r>
+              <a:t>Skype-type </a:t>
+            </a:r>
+            <a:r>
+              <a:rPr lang="en-NZ" b="1" i="1" dirty="0" smtClean="0"/>
+              <a:t>face to face </a:t>
+            </a:r>
+            <a:r>
+              <a:rPr lang="en-NZ" b="1" i="1" dirty="0" smtClean="0"/>
+              <a:t>communication (phase 2)</a:t>
+            </a:r>
+            <a:endParaRPr lang="en-NZ" b="1" i="1" dirty="0" smtClean="0"/>
           </a:p>
           <a:p>
             <a:pPr lvl="1"/>
@@ -3778,7 +3853,120 @@
     </p:spTree>
     <p:extLst>
       <p:ext uri="{BB962C8B-B14F-4D97-AF65-F5344CB8AC3E}">
-        <p14:creationId xmlns="" xmlns:p14="http://schemas.microsoft.com/office/powerpoint/2010/main" val="4086316117"/>
+        <p14:creationId xmlns:p14="http://schemas.microsoft.com/office/powerpoint/2010/main" val="4086316117"/>
+      </p:ext>
+    </p:extLst>
+  </p:cSld>
+  <p:clrMapOvr>
+    <a:masterClrMapping/>
+  </p:clrMapOvr>
+</p:sld>
+</file>
+
+<file path=ppt/slides/slide14.xml><?xml version="1.0" encoding="utf-8"?>
+<p:sld xmlns:a="http://schemas.openxmlformats.org/drawingml/2006/main" xmlns:r="http://schemas.openxmlformats.org/officeDocument/2006/relationships" xmlns:p="http://schemas.openxmlformats.org/presentationml/2006/main">
+  <p:cSld>
+    <p:spTree>
+      <p:nvGrpSpPr>
+        <p:cNvPr id="1" name=""/>
+        <p:cNvGrpSpPr/>
+        <p:nvPr/>
+      </p:nvGrpSpPr>
+      <p:grpSpPr>
+        <a:xfrm>
+          <a:off x="0" y="0"/>
+          <a:ext cx="0" cy="0"/>
+          <a:chOff x="0" y="0"/>
+          <a:chExt cx="0" cy="0"/>
+        </a:xfrm>
+      </p:grpSpPr>
+      <p:sp>
+        <p:nvSpPr>
+          <p:cNvPr id="2" name="Title 1"/>
+          <p:cNvSpPr>
+            <a:spLocks noGrp="1"/>
+          </p:cNvSpPr>
+          <p:nvPr>
+            <p:ph type="title"/>
+          </p:nvPr>
+        </p:nvSpPr>
+        <p:spPr/>
+        <p:txBody>
+          <a:bodyPr/>
+          <a:lstStyle/>
+          <a:p>
+            <a:r>
+              <a:rPr lang="en-NZ" dirty="0"/>
+              <a:t>Requirements </a:t>
+            </a:r>
+            <a:r>
+              <a:rPr lang="en-NZ" dirty="0" smtClean="0"/>
+              <a:t>– Cost Implications</a:t>
+            </a:r>
+            <a:endParaRPr lang="en-NZ" dirty="0"/>
+          </a:p>
+        </p:txBody>
+      </p:sp>
+      <p:sp>
+        <p:nvSpPr>
+          <p:cNvPr id="3" name="Content Placeholder 2"/>
+          <p:cNvSpPr>
+            <a:spLocks noGrp="1"/>
+          </p:cNvSpPr>
+          <p:nvPr>
+            <p:ph idx="1"/>
+          </p:nvPr>
+        </p:nvSpPr>
+        <p:spPr/>
+        <p:txBody>
+          <a:bodyPr/>
+          <a:lstStyle/>
+          <a:p>
+            <a:pPr marL="0" indent="0">
+              <a:buNone/>
+            </a:pPr>
+            <a:r>
+              <a:rPr lang="en-NZ" dirty="0" smtClean="0"/>
+              <a:t>We decided to implement Phase 1 of this project as an open source project</a:t>
+            </a:r>
+          </a:p>
+          <a:p>
+            <a:r>
+              <a:rPr lang="en-NZ" dirty="0" smtClean="0"/>
+              <a:t>GitHub is free for open source projects</a:t>
+            </a:r>
+          </a:p>
+          <a:p>
+            <a:r>
+              <a:rPr lang="en-NZ" dirty="0" smtClean="0"/>
+              <a:t>Visual Studio 2015 express is free</a:t>
+            </a:r>
+          </a:p>
+          <a:p>
+            <a:r>
+              <a:rPr lang="en-NZ" dirty="0" smtClean="0"/>
+              <a:t>Azure basic level costs</a:t>
+            </a:r>
+          </a:p>
+          <a:p>
+            <a:r>
+              <a:rPr lang="en-NZ" dirty="0" smtClean="0"/>
+              <a:t>Developers – Transport, </a:t>
+            </a:r>
+          </a:p>
+          <a:p>
+            <a:r>
+              <a:rPr lang="en-NZ" dirty="0" smtClean="0"/>
+              <a:t>Testers - Transport</a:t>
+            </a:r>
+            <a:endParaRPr lang="en-NZ" dirty="0"/>
+          </a:p>
+        </p:txBody>
+      </p:sp>
+    </p:spTree>
+    <p:extLst>
+      <p:ext uri="{BB962C8B-B14F-4D97-AF65-F5344CB8AC3E}">
+        <p14:creationId xmlns:p14="http://schemas.microsoft.com/office/powerpoint/2010/main" val="2580214561"/>
       </p:ext>
     </p:extLst>
   </p:cSld>
@@ -3890,7 +4078,7 @@
     </p:spTree>
     <p:extLst>
       <p:ext uri="{BB962C8B-B14F-4D97-AF65-F5344CB8AC3E}">
-        <p14:creationId xmlns="" xmlns:p14="http://schemas.microsoft.com/office/powerpoint/2010/main" val="4107760745"/>
+        <p14:creationId xmlns:p14="http://schemas.microsoft.com/office/powerpoint/2010/main" val="4107760745"/>
       </p:ext>
     </p:extLst>
   </p:cSld>
@@ -4012,7 +4200,7 @@
     </p:spTree>
     <p:extLst>
       <p:ext uri="{BB962C8B-B14F-4D97-AF65-F5344CB8AC3E}">
-        <p14:creationId xmlns="" xmlns:p14="http://schemas.microsoft.com/office/powerpoint/2010/main" val="1393807153"/>
+        <p14:creationId xmlns:p14="http://schemas.microsoft.com/office/powerpoint/2010/main" val="1393807153"/>
       </p:ext>
     </p:extLst>
   </p:cSld>
@@ -4114,7 +4302,7 @@
     </p:spTree>
     <p:extLst>
       <p:ext uri="{BB962C8B-B14F-4D97-AF65-F5344CB8AC3E}">
-        <p14:creationId xmlns="" xmlns:p14="http://schemas.microsoft.com/office/powerpoint/2010/main" val="836623550"/>
+        <p14:creationId xmlns:p14="http://schemas.microsoft.com/office/powerpoint/2010/main" val="836623550"/>
       </p:ext>
     </p:extLst>
   </p:cSld>
@@ -4505,7 +4693,7 @@
     </p:spTree>
     <p:extLst>
       <p:ext uri="{BB962C8B-B14F-4D97-AF65-F5344CB8AC3E}">
-        <p14:creationId xmlns="" xmlns:p14="http://schemas.microsoft.com/office/powerpoint/2010/main" val="1296104262"/>
+        <p14:creationId xmlns:p14="http://schemas.microsoft.com/office/powerpoint/2010/main" val="1296104262"/>
       </p:ext>
     </p:extLst>
   </p:cSld>
@@ -4598,7 +4786,7 @@
     </p:spTree>
     <p:extLst>
       <p:ext uri="{BB962C8B-B14F-4D97-AF65-F5344CB8AC3E}">
-        <p14:creationId xmlns="" xmlns:p14="http://schemas.microsoft.com/office/powerpoint/2010/main" val="1091408875"/>
+        <p14:creationId xmlns:p14="http://schemas.microsoft.com/office/powerpoint/2010/main" val="1091408875"/>
       </p:ext>
     </p:extLst>
   </p:cSld>
@@ -4694,7 +4882,7 @@
     </p:spTree>
     <p:extLst>
       <p:ext uri="{BB962C8B-B14F-4D97-AF65-F5344CB8AC3E}">
-        <p14:creationId xmlns="" xmlns:p14="http://schemas.microsoft.com/office/powerpoint/2010/main" val="3842053977"/>
+        <p14:creationId xmlns:p14="http://schemas.microsoft.com/office/powerpoint/2010/main" val="3842053977"/>
       </p:ext>
     </p:extLst>
   </p:cSld>
@@ -4770,7 +4958,7 @@
     </p:spTree>
     <p:extLst>
       <p:ext uri="{BB962C8B-B14F-4D97-AF65-F5344CB8AC3E}">
-        <p14:creationId xmlns="" xmlns:p14="http://schemas.microsoft.com/office/powerpoint/2010/main" val="4000173088"/>
+        <p14:creationId xmlns:p14="http://schemas.microsoft.com/office/powerpoint/2010/main" val="4000173088"/>
       </p:ext>
     </p:extLst>
   </p:cSld>
@@ -4898,7 +5086,7 @@
     </p:spTree>
     <p:extLst>
       <p:ext uri="{BB962C8B-B14F-4D97-AF65-F5344CB8AC3E}">
-        <p14:creationId xmlns="" xmlns:p14="http://schemas.microsoft.com/office/powerpoint/2010/main" val="2194050000"/>
+        <p14:creationId xmlns:p14="http://schemas.microsoft.com/office/powerpoint/2010/main" val="2194050000"/>
       </p:ext>
     </p:extLst>
   </p:cSld>
@@ -5163,7 +5351,7 @@
   <a:extraClrSchemeLst/>
   <a:extLst>
     <a:ext uri="{05A4C25C-085E-4340-85A3-A5531E510DB2}">
-      <thm15:themeFamily xmlns="" xmlns:thm15="http://schemas.microsoft.com/office/thememl/2012/main" name="Office Theme" id="{62F939B6-93AF-4DB8-9C6B-D6C7DFDC589F}" vid="{4A3C46E8-61CC-4603-A589-7422A47A8E4A}"/>
+      <thm15:themeFamily xmlns:thm15="http://schemas.microsoft.com/office/thememl/2012/main" name="Office Theme" id="{62F939B6-93AF-4DB8-9C6B-D6C7DFDC589F}" vid="{4A3C46E8-61CC-4603-A589-7422A47A8E4A}"/>
     </a:ext>
   </a:extLst>
 </a:theme>
